--- a/主賜福如春雨(崇拜版).pptx
+++ b/主賜福如春雨(崇拜版).pptx
@@ -5,11 +5,15 @@
     <p:sldMasterId id="2147483660" r:id="rId1"/>
   </p:sldMasterIdLst>
   <p:sldIdLst>
-    <p:sldId id="256" r:id="rId2"/>
-    <p:sldId id="257" r:id="rId3"/>
-    <p:sldId id="258" r:id="rId4"/>
+    <p:sldId id="259" r:id="rId2"/>
+    <p:sldId id="260" r:id="rId3"/>
+    <p:sldId id="261" r:id="rId4"/>
+    <p:sldId id="262" r:id="rId5"/>
+    <p:sldId id="263" r:id="rId6"/>
+    <p:sldId id="264" r:id="rId7"/>
+    <p:sldId id="265" r:id="rId8"/>
   </p:sldIdLst>
-  <p:sldSz cx="9144000" cy="6858000" type="screen4x3"/>
+  <p:sldSz cx="12192000" cy="6858000"/>
   <p:notesSz cx="6858000" cy="9144000"/>
   <p:defaultTextStyle>
     <a:defPPr>
@@ -106,6 +110,22 @@
       </a:defRPr>
     </a:lvl9pPr>
   </p:defaultTextStyle>
+  <p:extLst>
+    <p:ext uri="{EFAFB233-063F-42B5-8137-9DF3F51BA10A}">
+      <p15:sldGuideLst xmlns:p15="http://schemas.microsoft.com/office/powerpoint/2012/main">
+        <p15:guide id="1" orient="horz" pos="2160" userDrawn="1">
+          <p15:clr>
+            <a:srgbClr val="A4A3A4"/>
+          </p15:clr>
+        </p15:guide>
+        <p15:guide id="2" pos="3840" userDrawn="1">
+          <p15:clr>
+            <a:srgbClr val="A4A3A4"/>
+          </p15:clr>
+        </p15:guide>
+      </p15:sldGuideLst>
+    </p:ext>
+  </p:extLst>
 </p:presentation>
 </file>
 
@@ -138,8 +158,8 @@
         </p:nvSpPr>
         <p:spPr>
           <a:xfrm>
-            <a:off x="685800" y="2130425"/>
-            <a:ext cx="7772400" cy="1470025"/>
+            <a:off x="914400" y="2130426"/>
+            <a:ext cx="10363200" cy="1470025"/>
           </a:xfrm>
         </p:spPr>
         <p:txBody>
@@ -166,8 +186,8 @@
         </p:nvSpPr>
         <p:spPr>
           <a:xfrm>
-            <a:off x="1371600" y="3886200"/>
-            <a:ext cx="6400800" cy="1752600"/>
+            <a:off x="1828800" y="3886200"/>
+            <a:ext cx="8534400" cy="1752600"/>
           </a:xfrm>
         </p:spPr>
         <p:txBody>
@@ -290,7 +310,7 @@
           <a:p>
             <a:fld id="{7897E4C3-5A4E-4B0F-9C06-6523631CD3DA}" type="datetimeFigureOut">
               <a:rPr lang="zh-TW" altLang="en-US" smtClean="0"/>
-              <a:t>2019/2/9</a:t>
+              <a:t>2022/10/15</a:t>
             </a:fld>
             <a:endParaRPr lang="zh-TW" altLang="en-US"/>
           </a:p>
@@ -455,7 +475,7 @@
           <a:p>
             <a:fld id="{7897E4C3-5A4E-4B0F-9C06-6523631CD3DA}" type="datetimeFigureOut">
               <a:rPr lang="zh-TW" altLang="en-US" smtClean="0"/>
-              <a:t>2019/2/9</a:t>
+              <a:t>2022/10/15</a:t>
             </a:fld>
             <a:endParaRPr lang="zh-TW" altLang="en-US"/>
           </a:p>
@@ -540,8 +560,8 @@
         </p:nvSpPr>
         <p:spPr>
           <a:xfrm>
-            <a:off x="6629400" y="274638"/>
-            <a:ext cx="2057400" cy="5851525"/>
+            <a:off x="8839200" y="274639"/>
+            <a:ext cx="2743200" cy="5851525"/>
           </a:xfrm>
         </p:spPr>
         <p:txBody>
@@ -568,8 +588,8 @@
         </p:nvSpPr>
         <p:spPr>
           <a:xfrm>
-            <a:off x="457200" y="274638"/>
-            <a:ext cx="6019800" cy="5851525"/>
+            <a:off x="609600" y="274639"/>
+            <a:ext cx="8026400" cy="5851525"/>
           </a:xfrm>
         </p:spPr>
         <p:txBody>
@@ -630,7 +650,7 @@
           <a:p>
             <a:fld id="{7897E4C3-5A4E-4B0F-9C06-6523631CD3DA}" type="datetimeFigureOut">
               <a:rPr lang="zh-TW" altLang="en-US" smtClean="0"/>
-              <a:t>2019/2/9</a:t>
+              <a:t>2022/10/15</a:t>
             </a:fld>
             <a:endParaRPr lang="zh-TW" altLang="en-US"/>
           </a:p>
@@ -795,7 +815,7 @@
           <a:p>
             <a:fld id="{7897E4C3-5A4E-4B0F-9C06-6523631CD3DA}" type="datetimeFigureOut">
               <a:rPr lang="zh-TW" altLang="en-US" smtClean="0"/>
-              <a:t>2019/2/9</a:t>
+              <a:t>2022/10/15</a:t>
             </a:fld>
             <a:endParaRPr lang="zh-TW" altLang="en-US"/>
           </a:p>
@@ -880,8 +900,8 @@
         </p:nvSpPr>
         <p:spPr>
           <a:xfrm>
-            <a:off x="722313" y="4406900"/>
-            <a:ext cx="7772400" cy="1362075"/>
+            <a:off x="963084" y="4406901"/>
+            <a:ext cx="10363200" cy="1362075"/>
           </a:xfrm>
         </p:spPr>
         <p:txBody>
@@ -912,8 +932,8 @@
         </p:nvSpPr>
         <p:spPr>
           <a:xfrm>
-            <a:off x="722313" y="2906713"/>
-            <a:ext cx="7772400" cy="1500187"/>
+            <a:off x="963084" y="2906713"/>
+            <a:ext cx="10363200" cy="1500187"/>
           </a:xfrm>
         </p:spPr>
         <p:txBody>
@@ -1036,7 +1056,7 @@
           <a:p>
             <a:fld id="{7897E4C3-5A4E-4B0F-9C06-6523631CD3DA}" type="datetimeFigureOut">
               <a:rPr lang="zh-TW" altLang="en-US" smtClean="0"/>
-              <a:t>2019/2/9</a:t>
+              <a:t>2022/10/15</a:t>
             </a:fld>
             <a:endParaRPr lang="zh-TW" altLang="en-US"/>
           </a:p>
@@ -1144,8 +1164,8 @@
         </p:nvSpPr>
         <p:spPr>
           <a:xfrm>
-            <a:off x="457200" y="1600200"/>
-            <a:ext cx="4038600" cy="4525963"/>
+            <a:off x="609600" y="1600201"/>
+            <a:ext cx="5384800" cy="4525963"/>
           </a:xfrm>
         </p:spPr>
         <p:txBody>
@@ -1229,8 +1249,8 @@
         </p:nvSpPr>
         <p:spPr>
           <a:xfrm>
-            <a:off x="4648200" y="1600200"/>
-            <a:ext cx="4038600" cy="4525963"/>
+            <a:off x="6197600" y="1600201"/>
+            <a:ext cx="5384800" cy="4525963"/>
           </a:xfrm>
         </p:spPr>
         <p:txBody>
@@ -1319,7 +1339,7 @@
           <a:p>
             <a:fld id="{7897E4C3-5A4E-4B0F-9C06-6523631CD3DA}" type="datetimeFigureOut">
               <a:rPr lang="zh-TW" altLang="en-US" smtClean="0"/>
-              <a:t>2019/2/9</a:t>
+              <a:t>2022/10/15</a:t>
             </a:fld>
             <a:endParaRPr lang="zh-TW" altLang="en-US"/>
           </a:p>
@@ -1431,8 +1451,8 @@
         </p:nvSpPr>
         <p:spPr>
           <a:xfrm>
-            <a:off x="457200" y="1535113"/>
-            <a:ext cx="4040188" cy="639762"/>
+            <a:off x="609600" y="1535113"/>
+            <a:ext cx="5386917" cy="639762"/>
           </a:xfrm>
         </p:spPr>
         <p:txBody>
@@ -1496,8 +1516,8 @@
         </p:nvSpPr>
         <p:spPr>
           <a:xfrm>
-            <a:off x="457200" y="2174875"/>
-            <a:ext cx="4040188" cy="3951288"/>
+            <a:off x="609600" y="2174875"/>
+            <a:ext cx="5386917" cy="3951288"/>
           </a:xfrm>
         </p:spPr>
         <p:txBody>
@@ -1581,8 +1601,8 @@
         </p:nvSpPr>
         <p:spPr>
           <a:xfrm>
-            <a:off x="4645025" y="1535113"/>
-            <a:ext cx="4041775" cy="639762"/>
+            <a:off x="6193368" y="1535113"/>
+            <a:ext cx="5389033" cy="639762"/>
           </a:xfrm>
         </p:spPr>
         <p:txBody>
@@ -1646,8 +1666,8 @@
         </p:nvSpPr>
         <p:spPr>
           <a:xfrm>
-            <a:off x="4645025" y="2174875"/>
-            <a:ext cx="4041775" cy="3951288"/>
+            <a:off x="6193368" y="2174875"/>
+            <a:ext cx="5389033" cy="3951288"/>
           </a:xfrm>
         </p:spPr>
         <p:txBody>
@@ -1736,7 +1756,7 @@
           <a:p>
             <a:fld id="{7897E4C3-5A4E-4B0F-9C06-6523631CD3DA}" type="datetimeFigureOut">
               <a:rPr lang="zh-TW" altLang="en-US" smtClean="0"/>
-              <a:t>2019/2/9</a:t>
+              <a:t>2022/10/15</a:t>
             </a:fld>
             <a:endParaRPr lang="zh-TW" altLang="en-US"/>
           </a:p>
@@ -1849,7 +1869,7 @@
           <a:p>
             <a:fld id="{7897E4C3-5A4E-4B0F-9C06-6523631CD3DA}" type="datetimeFigureOut">
               <a:rPr lang="zh-TW" altLang="en-US" smtClean="0"/>
-              <a:t>2019/2/9</a:t>
+              <a:t>2022/10/15</a:t>
             </a:fld>
             <a:endParaRPr lang="zh-TW" altLang="en-US"/>
           </a:p>
@@ -1939,7 +1959,7 @@
           <a:p>
             <a:fld id="{7897E4C3-5A4E-4B0F-9C06-6523631CD3DA}" type="datetimeFigureOut">
               <a:rPr lang="zh-TW" altLang="en-US" smtClean="0"/>
-              <a:t>2019/2/9</a:t>
+              <a:t>2022/10/15</a:t>
             </a:fld>
             <a:endParaRPr lang="zh-TW" altLang="en-US"/>
           </a:p>
@@ -2024,8 +2044,8 @@
         </p:nvSpPr>
         <p:spPr>
           <a:xfrm>
-            <a:off x="457200" y="273050"/>
-            <a:ext cx="3008313" cy="1162050"/>
+            <a:off x="609601" y="273050"/>
+            <a:ext cx="4011084" cy="1162050"/>
           </a:xfrm>
         </p:spPr>
         <p:txBody>
@@ -2056,8 +2076,8 @@
         </p:nvSpPr>
         <p:spPr>
           <a:xfrm>
-            <a:off x="3575050" y="273050"/>
-            <a:ext cx="5111750" cy="5853113"/>
+            <a:off x="4766733" y="273051"/>
+            <a:ext cx="6815667" cy="5853113"/>
           </a:xfrm>
         </p:spPr>
         <p:txBody>
@@ -2141,8 +2161,8 @@
         </p:nvSpPr>
         <p:spPr>
           <a:xfrm>
-            <a:off x="457200" y="1435100"/>
-            <a:ext cx="3008313" cy="4691063"/>
+            <a:off x="609601" y="1435101"/>
+            <a:ext cx="4011084" cy="4691063"/>
           </a:xfrm>
         </p:spPr>
         <p:txBody>
@@ -2211,7 +2231,7 @@
           <a:p>
             <a:fld id="{7897E4C3-5A4E-4B0F-9C06-6523631CD3DA}" type="datetimeFigureOut">
               <a:rPr lang="zh-TW" altLang="en-US" smtClean="0"/>
-              <a:t>2019/2/9</a:t>
+              <a:t>2022/10/15</a:t>
             </a:fld>
             <a:endParaRPr lang="zh-TW" altLang="en-US"/>
           </a:p>
@@ -2296,8 +2316,8 @@
         </p:nvSpPr>
         <p:spPr>
           <a:xfrm>
-            <a:off x="1792288" y="4800600"/>
-            <a:ext cx="5486400" cy="566738"/>
+            <a:off x="2389717" y="4800600"/>
+            <a:ext cx="7315200" cy="566738"/>
           </a:xfrm>
         </p:spPr>
         <p:txBody>
@@ -2328,8 +2348,8 @@
         </p:nvSpPr>
         <p:spPr>
           <a:xfrm>
-            <a:off x="1792288" y="612775"/>
-            <a:ext cx="5486400" cy="4114800"/>
+            <a:off x="2389717" y="612775"/>
+            <a:ext cx="7315200" cy="4114800"/>
           </a:xfrm>
         </p:spPr>
         <p:txBody>
@@ -2393,8 +2413,8 @@
         </p:nvSpPr>
         <p:spPr>
           <a:xfrm>
-            <a:off x="1792288" y="5367338"/>
-            <a:ext cx="5486400" cy="804862"/>
+            <a:off x="2389717" y="5367338"/>
+            <a:ext cx="7315200" cy="804862"/>
           </a:xfrm>
         </p:spPr>
         <p:txBody>
@@ -2463,7 +2483,7 @@
           <a:p>
             <a:fld id="{7897E4C3-5A4E-4B0F-9C06-6523631CD3DA}" type="datetimeFigureOut">
               <a:rPr lang="zh-TW" altLang="en-US" smtClean="0"/>
-              <a:t>2019/2/9</a:t>
+              <a:t>2022/10/15</a:t>
             </a:fld>
             <a:endParaRPr lang="zh-TW" altLang="en-US"/>
           </a:p>
@@ -2558,8 +2578,8 @@
         </p:nvSpPr>
         <p:spPr>
           <a:xfrm>
-            <a:off x="457200" y="274638"/>
-            <a:ext cx="8229600" cy="1143000"/>
+            <a:off x="609600" y="274638"/>
+            <a:ext cx="10972800" cy="1143000"/>
           </a:xfrm>
           <a:prstGeom prst="rect">
             <a:avLst/>
@@ -2591,8 +2611,8 @@
         </p:nvSpPr>
         <p:spPr>
           <a:xfrm>
-            <a:off x="457200" y="1600200"/>
-            <a:ext cx="8229600" cy="4525963"/>
+            <a:off x="609600" y="1600201"/>
+            <a:ext cx="10972800" cy="4525963"/>
           </a:xfrm>
           <a:prstGeom prst="rect">
             <a:avLst/>
@@ -2653,8 +2673,8 @@
         </p:nvSpPr>
         <p:spPr>
           <a:xfrm>
-            <a:off x="457200" y="6356350"/>
-            <a:ext cx="2133600" cy="365125"/>
+            <a:off x="609600" y="6356351"/>
+            <a:ext cx="2844800" cy="365125"/>
           </a:xfrm>
           <a:prstGeom prst="rect">
             <a:avLst/>
@@ -2676,7 +2696,7 @@
           <a:p>
             <a:fld id="{7897E4C3-5A4E-4B0F-9C06-6523631CD3DA}" type="datetimeFigureOut">
               <a:rPr lang="zh-TW" altLang="en-US" smtClean="0"/>
-              <a:t>2019/2/9</a:t>
+              <a:t>2022/10/15</a:t>
             </a:fld>
             <a:endParaRPr lang="zh-TW" altLang="en-US"/>
           </a:p>
@@ -2694,8 +2714,8 @@
         </p:nvSpPr>
         <p:spPr>
           <a:xfrm>
-            <a:off x="3124200" y="6356350"/>
-            <a:ext cx="2895600" cy="365125"/>
+            <a:off x="4165600" y="6356351"/>
+            <a:ext cx="3860800" cy="365125"/>
           </a:xfrm>
           <a:prstGeom prst="rect">
             <a:avLst/>
@@ -2731,8 +2751,8 @@
         </p:nvSpPr>
         <p:spPr>
           <a:xfrm>
-            <a:off x="6553200" y="6356350"/>
-            <a:ext cx="2133600" cy="365125"/>
+            <a:off x="8737600" y="6356351"/>
+            <a:ext cx="2844800" cy="365125"/>
           </a:xfrm>
           <a:prstGeom prst="rect">
             <a:avLst/>
@@ -3056,123 +3076,61 @@
             <p:ph type="title"/>
           </p:nvPr>
         </p:nvSpPr>
-        <p:spPr/>
-        <p:txBody>
-          <a:bodyPr/>
-          <a:lstStyle/>
-          <a:p>
-            <a:r>
-              <a:rPr lang="zh-TW" altLang="en-US" b="1" dirty="0">
+        <p:spPr>
+          <a:xfrm>
+            <a:off x="0" y="2660915"/>
+            <a:ext cx="12192000" cy="1143000"/>
+          </a:xfrm>
+        </p:spPr>
+        <p:txBody>
+          <a:bodyPr>
+            <a:noAutofit/>
+          </a:bodyPr>
+          <a:lstStyle/>
+          <a:p>
+            <a:r>
+              <a:rPr lang="zh-TW" altLang="en-US" sz="7200" b="1" i="1" dirty="0">
                 <a:solidFill>
                   <a:srgbClr val="660033"/>
                 </a:solidFill>
-                <a:latin typeface="微軟正黑體" pitchFamily="34" charset="-120"/>
-                <a:ea typeface="微軟正黑體" pitchFamily="34" charset="-120"/>
-              </a:rPr>
-              <a:t>主賜福如春雨</a:t>
-            </a:r>
-          </a:p>
-        </p:txBody>
-      </p:sp>
-      <p:sp>
-        <p:nvSpPr>
-          <p:cNvPr id="5" name="內容版面配置區 4"/>
-          <p:cNvSpPr>
-            <a:spLocks noGrp="1"/>
-          </p:cNvSpPr>
-          <p:nvPr>
-            <p:ph idx="1"/>
-          </p:nvPr>
-        </p:nvSpPr>
-        <p:spPr/>
-        <p:txBody>
-          <a:bodyPr>
-            <a:normAutofit/>
-          </a:bodyPr>
-          <a:lstStyle/>
-          <a:p>
-            <a:pPr algn="ctr">
-              <a:buNone/>
-            </a:pPr>
-            <a:r>
-              <a:rPr lang="zh-CN" altLang="en-US" sz="5400" b="1" dirty="0" smtClean="0">
-                <a:solidFill>
-                  <a:srgbClr val="660033"/>
-                </a:solidFill>
+                <a:effectLst>
+                  <a:outerShdw blurRad="38100" dist="38100" dir="2700000" algn="tl">
+                    <a:srgbClr val="000000">
+                      <a:alpha val="43137"/>
+                    </a:srgbClr>
+                  </a:outerShdw>
+                </a:effectLst>
                 <a:latin typeface="微軟正黑體" pitchFamily="34" charset="-120"/>
                 <a:ea typeface="微軟正黑體" pitchFamily="34" charset="-120"/>
               </a:rPr>
               <a:t>主</a:t>
             </a:r>
             <a:r>
-              <a:rPr lang="zh-TW" altLang="en-US" sz="5400" b="1" dirty="0" smtClean="0">
+              <a:rPr lang="zh-TW" altLang="en-US" sz="7200" b="1" i="1" dirty="0">
                 <a:solidFill>
                   <a:srgbClr val="660033"/>
                 </a:solidFill>
+                <a:effectLst>
+                  <a:outerShdw blurRad="38100" dist="38100" dir="2700000" algn="tl">
+                    <a:srgbClr val="000000">
+                      <a:alpha val="43137"/>
+                    </a:srgbClr>
+                  </a:outerShdw>
+                </a:effectLst>
                 <a:latin typeface="微軟正黑體" pitchFamily="34" charset="-120"/>
                 <a:ea typeface="微軟正黑體" pitchFamily="34" charset="-120"/>
               </a:rPr>
-              <a:t>賜</a:t>
-            </a:r>
-            <a:r>
-              <a:rPr lang="zh-TW" altLang="en-US" sz="5400" b="1" dirty="0">
-                <a:solidFill>
-                  <a:srgbClr val="660033"/>
-                </a:solidFill>
-                <a:latin typeface="微軟正黑體" pitchFamily="34" charset="-120"/>
-                <a:ea typeface="微軟正黑體" pitchFamily="34" charset="-120"/>
-              </a:rPr>
-              <a:t>的福如春雨</a:t>
-            </a:r>
-          </a:p>
-          <a:p>
-            <a:pPr algn="ctr">
-              <a:buNone/>
-            </a:pPr>
-            <a:r>
-              <a:rPr lang="zh-TW" altLang="en-US" sz="5400" b="1" dirty="0">
-                <a:solidFill>
-                  <a:srgbClr val="660033"/>
-                </a:solidFill>
-                <a:latin typeface="微軟正黑體" pitchFamily="34" charset="-120"/>
-                <a:ea typeface="微軟正黑體" pitchFamily="34" charset="-120"/>
-              </a:rPr>
-              <a:t>我在其中欣賞讚美你</a:t>
-            </a:r>
-          </a:p>
-          <a:p>
-            <a:pPr algn="ctr">
-              <a:buNone/>
-            </a:pPr>
-            <a:r>
-              <a:rPr lang="zh-TW" altLang="en-US" sz="5400" b="1" dirty="0">
-                <a:solidFill>
-                  <a:srgbClr val="660033"/>
-                </a:solidFill>
-                <a:latin typeface="微軟正黑體" pitchFamily="34" charset="-120"/>
-                <a:ea typeface="微軟正黑體" pitchFamily="34" charset="-120"/>
-              </a:rPr>
-              <a:t>你賜的生命是泉源</a:t>
-            </a:r>
-          </a:p>
-          <a:p>
-            <a:pPr algn="ctr">
-              <a:buNone/>
-            </a:pPr>
-            <a:r>
-              <a:rPr lang="zh-TW" altLang="en-US" sz="5400" b="1" dirty="0">
-                <a:solidFill>
-                  <a:srgbClr val="660033"/>
-                </a:solidFill>
-                <a:latin typeface="微軟正黑體" pitchFamily="34" charset="-120"/>
-                <a:ea typeface="微軟正黑體" pitchFamily="34" charset="-120"/>
-              </a:rPr>
-              <a:t>在我心中更新不窮</a:t>
+              <a:t>賜福如春雨</a:t>
             </a:r>
           </a:p>
         </p:txBody>
       </p:sp>
     </p:spTree>
+    <p:extLst>
+      <p:ext uri="{BB962C8B-B14F-4D97-AF65-F5344CB8AC3E}">
+        <p14:creationId xmlns:p14="http://schemas.microsoft.com/office/powerpoint/2010/main" val="3297865961"/>
+      </p:ext>
+    </p:extLst>
   </p:cSld>
   <p:clrMapOvr>
     <a:masterClrMapping/>
@@ -3199,61 +3157,48 @@
       </p:grpSpPr>
       <p:sp>
         <p:nvSpPr>
-          <p:cNvPr id="4" name="標題 3"/>
-          <p:cNvSpPr>
-            <a:spLocks noGrp="1"/>
-          </p:cNvSpPr>
-          <p:nvPr>
-            <p:ph type="title"/>
-          </p:nvPr>
-        </p:nvSpPr>
-        <p:spPr/>
-        <p:txBody>
-          <a:bodyPr/>
-          <a:lstStyle/>
-          <a:p>
-            <a:r>
-              <a:rPr lang="zh-TW" altLang="en-US" b="1" dirty="0">
+          <p:cNvPr id="5" name="內容版面配置區 4"/>
+          <p:cNvSpPr>
+            <a:spLocks noGrp="1"/>
+          </p:cNvSpPr>
+          <p:nvPr>
+            <p:ph idx="1"/>
+          </p:nvPr>
+        </p:nvSpPr>
+        <p:spPr>
+          <a:xfrm>
+            <a:off x="0" y="2084851"/>
+            <a:ext cx="12192000" cy="2404863"/>
+          </a:xfrm>
+        </p:spPr>
+        <p:txBody>
+          <a:bodyPr anchor="ctr">
+            <a:normAutofit/>
+          </a:bodyPr>
+          <a:lstStyle/>
+          <a:p>
+            <a:pPr algn="ctr">
+              <a:buNone/>
+            </a:pPr>
+            <a:r>
+              <a:rPr lang="zh-CN" altLang="en-US" sz="6400" b="1" dirty="0">
                 <a:solidFill>
                   <a:srgbClr val="660033"/>
                 </a:solidFill>
                 <a:latin typeface="微軟正黑體" pitchFamily="34" charset="-120"/>
                 <a:ea typeface="微軟正黑體" pitchFamily="34" charset="-120"/>
               </a:rPr>
-              <a:t>主賜福如春雨</a:t>
-            </a:r>
-          </a:p>
-        </p:txBody>
-      </p:sp>
-      <p:sp>
-        <p:nvSpPr>
-          <p:cNvPr id="5" name="內容版面配置區 4"/>
-          <p:cNvSpPr>
-            <a:spLocks noGrp="1"/>
-          </p:cNvSpPr>
-          <p:nvPr>
-            <p:ph idx="1"/>
-          </p:nvPr>
-        </p:nvSpPr>
-        <p:spPr/>
-        <p:txBody>
-          <a:bodyPr>
-            <a:normAutofit/>
-          </a:bodyPr>
-          <a:lstStyle/>
-          <a:p>
-            <a:pPr algn="ctr">
-              <a:buNone/>
-            </a:pPr>
-            <a:r>
-              <a:rPr lang="zh-TW" altLang="en-US" sz="5400" b="1" dirty="0" smtClean="0">
+              <a:t>主</a:t>
+            </a:r>
+            <a:r>
+              <a:rPr lang="zh-TW" altLang="en-US" sz="6400" b="1" dirty="0">
                 <a:solidFill>
                   <a:srgbClr val="660033"/>
                 </a:solidFill>
                 <a:latin typeface="微軟正黑體" pitchFamily="34" charset="-120"/>
                 <a:ea typeface="微軟正黑體" pitchFamily="34" charset="-120"/>
               </a:rPr>
-              <a:t>讓我們張開讚美的口</a:t>
+              <a:t>賜的福如春雨</a:t>
             </a:r>
           </a:p>
           <a:p>
@@ -3261,31 +3206,16 @@
               <a:buNone/>
             </a:pPr>
             <a:r>
-              <a:rPr lang="zh-TW" altLang="en-US" sz="5400" b="1" dirty="0" smtClean="0">
+              <a:rPr lang="zh-TW" altLang="en-US" sz="6400" b="1" dirty="0">
                 <a:solidFill>
                   <a:srgbClr val="660033"/>
                 </a:solidFill>
                 <a:latin typeface="微軟正黑體" pitchFamily="34" charset="-120"/>
                 <a:ea typeface="微軟正黑體" pitchFamily="34" charset="-120"/>
               </a:rPr>
-              <a:t>舉起敬拜的手</a:t>
-            </a:r>
-          </a:p>
-          <a:p>
-            <a:pPr algn="ctr">
-              <a:buNone/>
-            </a:pPr>
-            <a:r>
-              <a:rPr lang="zh-TW" altLang="en-US" sz="5400" b="1" dirty="0" smtClean="0">
-                <a:solidFill>
-                  <a:srgbClr val="660033"/>
-                </a:solidFill>
-                <a:latin typeface="微軟正黑體" pitchFamily="34" charset="-120"/>
-                <a:ea typeface="微軟正黑體" pitchFamily="34" charset="-120"/>
-              </a:rPr>
-              <a:t>主將賜福在我們之中</a:t>
-            </a:r>
-            <a:endParaRPr lang="zh-TW" altLang="en-US" sz="5400" b="1" dirty="0">
+              <a:t>我在其中讚美欣賞</a:t>
+            </a:r>
+            <a:endParaRPr lang="zh-TW" altLang="en-US" sz="6400" b="1" dirty="0">
               <a:solidFill>
                 <a:srgbClr val="660033"/>
               </a:solidFill>
@@ -3295,7 +3225,74 @@
           </a:p>
         </p:txBody>
       </p:sp>
+      <p:sp>
+        <p:nvSpPr>
+          <p:cNvPr id="3" name="TextBox 2"/>
+          <p:cNvSpPr txBox="1"/>
+          <p:nvPr/>
+        </p:nvSpPr>
+        <p:spPr>
+          <a:xfrm>
+            <a:off x="0" y="5157192"/>
+            <a:ext cx="12192000" cy="748988"/>
+          </a:xfrm>
+          <a:prstGeom prst="rect">
+            <a:avLst/>
+          </a:prstGeom>
+          <a:noFill/>
+        </p:spPr>
+        <p:txBody>
+          <a:bodyPr wrap="square" rtlCol="0">
+            <a:spAutoFit/>
+          </a:bodyPr>
+          <a:lstStyle/>
+          <a:p>
+            <a:pPr algn="ctr"/>
+            <a:r>
+              <a:rPr lang="en-US" sz="4267" b="1" dirty="0">
+                <a:solidFill>
+                  <a:srgbClr val="660033"/>
+                </a:solidFill>
+                <a:latin typeface="Microsoft JhengHei" panose="020B0604030504040204" pitchFamily="34" charset="-120"/>
+                <a:ea typeface="Microsoft JhengHei" panose="020B0604030504040204" pitchFamily="34" charset="-120"/>
+              </a:rPr>
+              <a:t>( </a:t>
+            </a:r>
+            <a:r>
+              <a:rPr lang="zh-CN" altLang="en-US" sz="4267" b="1" dirty="0">
+                <a:solidFill>
+                  <a:srgbClr val="660033"/>
+                </a:solidFill>
+                <a:latin typeface="Microsoft JhengHei" panose="020B0604030504040204" pitchFamily="34" charset="-120"/>
+                <a:ea typeface="Microsoft JhengHei" panose="020B0604030504040204" pitchFamily="34" charset="-120"/>
+              </a:rPr>
+              <a:t>正</a:t>
+            </a:r>
+            <a:r>
+              <a:rPr lang="en-US" sz="4267" b="1" dirty="0">
+                <a:solidFill>
+                  <a:srgbClr val="660033"/>
+                </a:solidFill>
+                <a:latin typeface="Microsoft JhengHei" panose="020B0604030504040204" pitchFamily="34" charset="-120"/>
+                <a:ea typeface="Microsoft JhengHei" panose="020B0604030504040204" pitchFamily="34" charset="-120"/>
+              </a:rPr>
+              <a:t> )</a:t>
+            </a:r>
+            <a:endParaRPr lang="vi-VN" sz="4267" b="1" dirty="0">
+              <a:solidFill>
+                <a:srgbClr val="660033"/>
+              </a:solidFill>
+              <a:ea typeface="Microsoft JhengHei" panose="020B0604030504040204" pitchFamily="34" charset="-120"/>
+            </a:endParaRPr>
+          </a:p>
+        </p:txBody>
+      </p:sp>
     </p:spTree>
+    <p:extLst>
+      <p:ext uri="{BB962C8B-B14F-4D97-AF65-F5344CB8AC3E}">
+        <p14:creationId xmlns:p14="http://schemas.microsoft.com/office/powerpoint/2010/main" val="87224848"/>
+      </p:ext>
+    </p:extLst>
   </p:cSld>
   <p:clrMapOvr>
     <a:masterClrMapping/>
@@ -3322,32 +3319,166 @@
       </p:grpSpPr>
       <p:sp>
         <p:nvSpPr>
-          <p:cNvPr id="4" name="標題 3"/>
-          <p:cNvSpPr>
-            <a:spLocks noGrp="1"/>
-          </p:cNvSpPr>
-          <p:nvPr>
-            <p:ph type="title"/>
-          </p:nvPr>
-        </p:nvSpPr>
-        <p:spPr/>
-        <p:txBody>
-          <a:bodyPr/>
-          <a:lstStyle/>
-          <a:p>
-            <a:r>
-              <a:rPr lang="zh-TW" altLang="en-US" b="1" dirty="0">
+          <p:cNvPr id="5" name="內容版面配置區 4"/>
+          <p:cNvSpPr>
+            <a:spLocks noGrp="1"/>
+          </p:cNvSpPr>
+          <p:nvPr>
+            <p:ph idx="1"/>
+          </p:nvPr>
+        </p:nvSpPr>
+        <p:spPr>
+          <a:xfrm>
+            <a:off x="0" y="2084851"/>
+            <a:ext cx="12192000" cy="2404863"/>
+          </a:xfrm>
+        </p:spPr>
+        <p:txBody>
+          <a:bodyPr anchor="ctr">
+            <a:normAutofit/>
+          </a:bodyPr>
+          <a:lstStyle/>
+          <a:p>
+            <a:pPr algn="ctr">
+              <a:buNone/>
+            </a:pPr>
+            <a:r>
+              <a:rPr lang="zh-CN" altLang="en-US" sz="6400" b="1" dirty="0">
                 <a:solidFill>
                   <a:srgbClr val="660033"/>
                 </a:solidFill>
                 <a:latin typeface="微軟正黑體" pitchFamily="34" charset="-120"/>
                 <a:ea typeface="微軟正黑體" pitchFamily="34" charset="-120"/>
               </a:rPr>
-              <a:t>主賜福如春雨</a:t>
-            </a:r>
-          </a:p>
-        </p:txBody>
-      </p:sp>
+              <a:t>主</a:t>
+            </a:r>
+            <a:r>
+              <a:rPr lang="zh-TW" altLang="en-US" sz="6400" b="1" dirty="0">
+                <a:solidFill>
+                  <a:srgbClr val="660033"/>
+                </a:solidFill>
+                <a:latin typeface="微軟正黑體" pitchFamily="34" charset="-120"/>
+                <a:ea typeface="微軟正黑體" pitchFamily="34" charset="-120"/>
+              </a:rPr>
+              <a:t>賜的生命是泉源</a:t>
+            </a:r>
+          </a:p>
+          <a:p>
+            <a:pPr algn="ctr">
+              <a:buNone/>
+            </a:pPr>
+            <a:r>
+              <a:rPr lang="zh-TW" altLang="en-US" sz="6400" b="1" dirty="0">
+                <a:solidFill>
+                  <a:srgbClr val="660033"/>
+                </a:solidFill>
+                <a:latin typeface="微軟正黑體" pitchFamily="34" charset="-120"/>
+                <a:ea typeface="微軟正黑體" pitchFamily="34" charset="-120"/>
+              </a:rPr>
+              <a:t>在我心中更新不窮</a:t>
+            </a:r>
+            <a:endParaRPr lang="zh-TW" altLang="en-US" sz="6400" b="1" dirty="0">
+              <a:solidFill>
+                <a:srgbClr val="660033"/>
+              </a:solidFill>
+              <a:latin typeface="微軟正黑體" pitchFamily="34" charset="-120"/>
+              <a:ea typeface="微軟正黑體" pitchFamily="34" charset="-120"/>
+            </a:endParaRPr>
+          </a:p>
+        </p:txBody>
+      </p:sp>
+      <p:sp>
+        <p:nvSpPr>
+          <p:cNvPr id="3" name="TextBox 2"/>
+          <p:cNvSpPr txBox="1"/>
+          <p:nvPr/>
+        </p:nvSpPr>
+        <p:spPr>
+          <a:xfrm>
+            <a:off x="0" y="5157192"/>
+            <a:ext cx="12192000" cy="748988"/>
+          </a:xfrm>
+          <a:prstGeom prst="rect">
+            <a:avLst/>
+          </a:prstGeom>
+          <a:noFill/>
+        </p:spPr>
+        <p:txBody>
+          <a:bodyPr wrap="square" rtlCol="0">
+            <a:spAutoFit/>
+          </a:bodyPr>
+          <a:lstStyle/>
+          <a:p>
+            <a:pPr algn="ctr"/>
+            <a:r>
+              <a:rPr lang="en-US" sz="4267" b="1" dirty="0">
+                <a:solidFill>
+                  <a:srgbClr val="660033"/>
+                </a:solidFill>
+                <a:latin typeface="Microsoft JhengHei" panose="020B0604030504040204" pitchFamily="34" charset="-120"/>
+                <a:ea typeface="Microsoft JhengHei" panose="020B0604030504040204" pitchFamily="34" charset="-120"/>
+              </a:rPr>
+              <a:t>( </a:t>
+            </a:r>
+            <a:r>
+              <a:rPr lang="zh-CN" altLang="en-US" sz="4267" b="1" dirty="0">
+                <a:solidFill>
+                  <a:srgbClr val="660033"/>
+                </a:solidFill>
+                <a:latin typeface="Microsoft JhengHei" panose="020B0604030504040204" pitchFamily="34" charset="-120"/>
+                <a:ea typeface="Microsoft JhengHei" panose="020B0604030504040204" pitchFamily="34" charset="-120"/>
+              </a:rPr>
+              <a:t>正</a:t>
+            </a:r>
+            <a:r>
+              <a:rPr lang="en-US" sz="4267" b="1" dirty="0">
+                <a:solidFill>
+                  <a:srgbClr val="660033"/>
+                </a:solidFill>
+                <a:latin typeface="Microsoft JhengHei" panose="020B0604030504040204" pitchFamily="34" charset="-120"/>
+                <a:ea typeface="Microsoft JhengHei" panose="020B0604030504040204" pitchFamily="34" charset="-120"/>
+              </a:rPr>
+              <a:t> )</a:t>
+            </a:r>
+            <a:endParaRPr lang="vi-VN" sz="4267" b="1" dirty="0">
+              <a:solidFill>
+                <a:srgbClr val="660033"/>
+              </a:solidFill>
+              <a:ea typeface="Microsoft JhengHei" panose="020B0604030504040204" pitchFamily="34" charset="-120"/>
+            </a:endParaRPr>
+          </a:p>
+        </p:txBody>
+      </p:sp>
+    </p:spTree>
+    <p:extLst>
+      <p:ext uri="{BB962C8B-B14F-4D97-AF65-F5344CB8AC3E}">
+        <p14:creationId xmlns:p14="http://schemas.microsoft.com/office/powerpoint/2010/main" val="1723494616"/>
+      </p:ext>
+    </p:extLst>
+  </p:cSld>
+  <p:clrMapOvr>
+    <a:masterClrMapping/>
+  </p:clrMapOvr>
+</p:sld>
+</file>
+
+<file path=ppt/slides/slide4.xml><?xml version="1.0" encoding="utf-8"?>
+<p:sld xmlns:a="http://schemas.openxmlformats.org/drawingml/2006/main" xmlns:r="http://schemas.openxmlformats.org/officeDocument/2006/relationships" xmlns:p="http://schemas.openxmlformats.org/presentationml/2006/main">
+  <p:cSld>
+    <p:spTree>
+      <p:nvGrpSpPr>
+        <p:cNvPr id="1" name=""/>
+        <p:cNvGrpSpPr/>
+        <p:nvPr/>
+      </p:nvGrpSpPr>
+      <p:grpSpPr>
+        <a:xfrm>
+          <a:off x="0" y="0"/>
+          <a:ext cx="0" cy="0"/>
+          <a:chOff x="0" y="0"/>
+          <a:chExt cx="0" cy="0"/>
+        </a:xfrm>
+      </p:grpSpPr>
       <p:sp>
         <p:nvSpPr>
           <p:cNvPr id="5" name="內容版面配置區 4"/>
@@ -3358,10 +3489,15 @@
             <p:ph idx="1"/>
           </p:nvPr>
         </p:nvSpPr>
-        <p:spPr/>
-        <p:txBody>
-          <a:bodyPr>
-            <a:noAutofit/>
+        <p:spPr>
+          <a:xfrm>
+            <a:off x="0" y="2084851"/>
+            <a:ext cx="12192000" cy="2404863"/>
+          </a:xfrm>
+        </p:spPr>
+        <p:txBody>
+          <a:bodyPr anchor="ctr">
+            <a:normAutofit/>
           </a:bodyPr>
           <a:lstStyle/>
           <a:p>
@@ -3369,7 +3505,289 @@
               <a:buNone/>
             </a:pPr>
             <a:r>
-              <a:rPr lang="zh-TW" altLang="en-US" sz="5400" b="1" dirty="0" smtClean="0">
+              <a:rPr lang="zh-TW" altLang="en-US" sz="6400" b="1" dirty="0">
+                <a:solidFill>
+                  <a:srgbClr val="660033"/>
+                </a:solidFill>
+                <a:latin typeface="微軟正黑體" pitchFamily="34" charset="-120"/>
+                <a:ea typeface="微軟正黑體" pitchFamily="34" charset="-120"/>
+              </a:rPr>
+              <a:t>讓我們張開讚美的口</a:t>
+            </a:r>
+          </a:p>
+          <a:p>
+            <a:pPr algn="ctr">
+              <a:buNone/>
+            </a:pPr>
+            <a:r>
+              <a:rPr lang="zh-TW" altLang="en-US" sz="6400" b="1" dirty="0">
+                <a:solidFill>
+                  <a:srgbClr val="660033"/>
+                </a:solidFill>
+                <a:latin typeface="微軟正黑體" pitchFamily="34" charset="-120"/>
+                <a:ea typeface="微軟正黑體" pitchFamily="34" charset="-120"/>
+              </a:rPr>
+              <a:t>舉起敬拜的手</a:t>
+            </a:r>
+          </a:p>
+        </p:txBody>
+      </p:sp>
+      <p:sp>
+        <p:nvSpPr>
+          <p:cNvPr id="3" name="TextBox 2"/>
+          <p:cNvSpPr txBox="1"/>
+          <p:nvPr/>
+        </p:nvSpPr>
+        <p:spPr>
+          <a:xfrm>
+            <a:off x="0" y="5157192"/>
+            <a:ext cx="12192000" cy="748988"/>
+          </a:xfrm>
+          <a:prstGeom prst="rect">
+            <a:avLst/>
+          </a:prstGeom>
+          <a:noFill/>
+        </p:spPr>
+        <p:txBody>
+          <a:bodyPr wrap="square" rtlCol="0">
+            <a:spAutoFit/>
+          </a:bodyPr>
+          <a:lstStyle/>
+          <a:p>
+            <a:pPr algn="ctr"/>
+            <a:r>
+              <a:rPr lang="en-US" sz="4267" b="1" dirty="0">
+                <a:solidFill>
+                  <a:srgbClr val="660033"/>
+                </a:solidFill>
+                <a:latin typeface="Microsoft JhengHei" panose="020B0604030504040204" pitchFamily="34" charset="-120"/>
+                <a:ea typeface="Microsoft JhengHei" panose="020B0604030504040204" pitchFamily="34" charset="-120"/>
+              </a:rPr>
+              <a:t>( </a:t>
+            </a:r>
+            <a:r>
+              <a:rPr lang="zh-CN" altLang="en-US" sz="4267" b="1" dirty="0">
+                <a:solidFill>
+                  <a:srgbClr val="660033"/>
+                </a:solidFill>
+                <a:latin typeface="Microsoft JhengHei" panose="020B0604030504040204" pitchFamily="34" charset="-120"/>
+                <a:ea typeface="Microsoft JhengHei" panose="020B0604030504040204" pitchFamily="34" charset="-120"/>
+              </a:rPr>
+              <a:t>前副</a:t>
+            </a:r>
+            <a:r>
+              <a:rPr lang="en-US" sz="4267" b="1" dirty="0">
+                <a:solidFill>
+                  <a:srgbClr val="660033"/>
+                </a:solidFill>
+                <a:latin typeface="Microsoft JhengHei" panose="020B0604030504040204" pitchFamily="34" charset="-120"/>
+                <a:ea typeface="Microsoft JhengHei" panose="020B0604030504040204" pitchFamily="34" charset="-120"/>
+              </a:rPr>
+              <a:t> )</a:t>
+            </a:r>
+            <a:endParaRPr lang="vi-VN" sz="4267" b="1" dirty="0">
+              <a:solidFill>
+                <a:srgbClr val="660033"/>
+              </a:solidFill>
+              <a:ea typeface="Microsoft JhengHei" panose="020B0604030504040204" pitchFamily="34" charset="-120"/>
+            </a:endParaRPr>
+          </a:p>
+        </p:txBody>
+      </p:sp>
+    </p:spTree>
+    <p:extLst>
+      <p:ext uri="{BB962C8B-B14F-4D97-AF65-F5344CB8AC3E}">
+        <p14:creationId xmlns:p14="http://schemas.microsoft.com/office/powerpoint/2010/main" val="3943984376"/>
+      </p:ext>
+    </p:extLst>
+  </p:cSld>
+  <p:clrMapOvr>
+    <a:masterClrMapping/>
+  </p:clrMapOvr>
+</p:sld>
+</file>
+
+<file path=ppt/slides/slide5.xml><?xml version="1.0" encoding="utf-8"?>
+<p:sld xmlns:a="http://schemas.openxmlformats.org/drawingml/2006/main" xmlns:r="http://schemas.openxmlformats.org/officeDocument/2006/relationships" xmlns:p="http://schemas.openxmlformats.org/presentationml/2006/main">
+  <p:cSld>
+    <p:spTree>
+      <p:nvGrpSpPr>
+        <p:cNvPr id="1" name=""/>
+        <p:cNvGrpSpPr/>
+        <p:nvPr/>
+      </p:nvGrpSpPr>
+      <p:grpSpPr>
+        <a:xfrm>
+          <a:off x="0" y="0"/>
+          <a:ext cx="0" cy="0"/>
+          <a:chOff x="0" y="0"/>
+          <a:chExt cx="0" cy="0"/>
+        </a:xfrm>
+      </p:grpSpPr>
+      <p:sp>
+        <p:nvSpPr>
+          <p:cNvPr id="5" name="內容版面配置區 4"/>
+          <p:cNvSpPr>
+            <a:spLocks noGrp="1"/>
+          </p:cNvSpPr>
+          <p:nvPr>
+            <p:ph idx="1"/>
+          </p:nvPr>
+        </p:nvSpPr>
+        <p:spPr>
+          <a:xfrm>
+            <a:off x="0" y="2084851"/>
+            <a:ext cx="12192000" cy="2404863"/>
+          </a:xfrm>
+        </p:spPr>
+        <p:txBody>
+          <a:bodyPr anchor="ctr">
+            <a:normAutofit/>
+          </a:bodyPr>
+          <a:lstStyle/>
+          <a:p>
+            <a:pPr algn="ctr">
+              <a:buNone/>
+            </a:pPr>
+            <a:r>
+              <a:rPr lang="zh-TW" altLang="en-US" sz="6400" b="1" dirty="0">
+                <a:solidFill>
+                  <a:srgbClr val="660033"/>
+                </a:solidFill>
+                <a:latin typeface="微軟正黑體" pitchFamily="34" charset="-120"/>
+                <a:ea typeface="微軟正黑體" pitchFamily="34" charset="-120"/>
+              </a:rPr>
+              <a:t>主將賜福在我們之中</a:t>
+            </a:r>
+            <a:endParaRPr lang="zh-TW" altLang="en-US" sz="6400" b="1" dirty="0">
+              <a:solidFill>
+                <a:srgbClr val="660033"/>
+              </a:solidFill>
+              <a:latin typeface="微軟正黑體" pitchFamily="34" charset="-120"/>
+              <a:ea typeface="微軟正黑體" pitchFamily="34" charset="-120"/>
+            </a:endParaRPr>
+          </a:p>
+        </p:txBody>
+      </p:sp>
+      <p:sp>
+        <p:nvSpPr>
+          <p:cNvPr id="3" name="TextBox 2"/>
+          <p:cNvSpPr txBox="1"/>
+          <p:nvPr/>
+        </p:nvSpPr>
+        <p:spPr>
+          <a:xfrm>
+            <a:off x="0" y="5157192"/>
+            <a:ext cx="12192000" cy="748988"/>
+          </a:xfrm>
+          <a:prstGeom prst="rect">
+            <a:avLst/>
+          </a:prstGeom>
+          <a:noFill/>
+        </p:spPr>
+        <p:txBody>
+          <a:bodyPr wrap="square" rtlCol="0">
+            <a:spAutoFit/>
+          </a:bodyPr>
+          <a:lstStyle/>
+          <a:p>
+            <a:pPr algn="ctr"/>
+            <a:r>
+              <a:rPr lang="en-US" sz="4267" b="1" dirty="0">
+                <a:solidFill>
+                  <a:srgbClr val="660033"/>
+                </a:solidFill>
+                <a:latin typeface="Microsoft JhengHei" panose="020B0604030504040204" pitchFamily="34" charset="-120"/>
+                <a:ea typeface="Microsoft JhengHei" panose="020B0604030504040204" pitchFamily="34" charset="-120"/>
+              </a:rPr>
+              <a:t>( </a:t>
+            </a:r>
+            <a:r>
+              <a:rPr lang="zh-CN" altLang="en-US" sz="4267" b="1" dirty="0">
+                <a:solidFill>
+                  <a:srgbClr val="660033"/>
+                </a:solidFill>
+                <a:latin typeface="Microsoft JhengHei" panose="020B0604030504040204" pitchFamily="34" charset="-120"/>
+                <a:ea typeface="Microsoft JhengHei" panose="020B0604030504040204" pitchFamily="34" charset="-120"/>
+              </a:rPr>
+              <a:t>前副</a:t>
+            </a:r>
+            <a:r>
+              <a:rPr lang="en-US" sz="4267" b="1" dirty="0">
+                <a:solidFill>
+                  <a:srgbClr val="660033"/>
+                </a:solidFill>
+                <a:latin typeface="Microsoft JhengHei" panose="020B0604030504040204" pitchFamily="34" charset="-120"/>
+                <a:ea typeface="Microsoft JhengHei" panose="020B0604030504040204" pitchFamily="34" charset="-120"/>
+              </a:rPr>
+              <a:t> )</a:t>
+            </a:r>
+            <a:endParaRPr lang="vi-VN" sz="4267" b="1" dirty="0">
+              <a:solidFill>
+                <a:srgbClr val="660033"/>
+              </a:solidFill>
+              <a:ea typeface="Microsoft JhengHei" panose="020B0604030504040204" pitchFamily="34" charset="-120"/>
+            </a:endParaRPr>
+          </a:p>
+        </p:txBody>
+      </p:sp>
+    </p:spTree>
+    <p:extLst>
+      <p:ext uri="{BB962C8B-B14F-4D97-AF65-F5344CB8AC3E}">
+        <p14:creationId xmlns:p14="http://schemas.microsoft.com/office/powerpoint/2010/main" val="15305231"/>
+      </p:ext>
+    </p:extLst>
+  </p:cSld>
+  <p:clrMapOvr>
+    <a:masterClrMapping/>
+  </p:clrMapOvr>
+</p:sld>
+</file>
+
+<file path=ppt/slides/slide6.xml><?xml version="1.0" encoding="utf-8"?>
+<p:sld xmlns:a="http://schemas.openxmlformats.org/drawingml/2006/main" xmlns:r="http://schemas.openxmlformats.org/officeDocument/2006/relationships" xmlns:p="http://schemas.openxmlformats.org/presentationml/2006/main">
+  <p:cSld>
+    <p:spTree>
+      <p:nvGrpSpPr>
+        <p:cNvPr id="1" name=""/>
+        <p:cNvGrpSpPr/>
+        <p:nvPr/>
+      </p:nvGrpSpPr>
+      <p:grpSpPr>
+        <a:xfrm>
+          <a:off x="0" y="0"/>
+          <a:ext cx="0" cy="0"/>
+          <a:chOff x="0" y="0"/>
+          <a:chExt cx="0" cy="0"/>
+        </a:xfrm>
+      </p:grpSpPr>
+      <p:sp>
+        <p:nvSpPr>
+          <p:cNvPr id="5" name="內容版面配置區 4"/>
+          <p:cNvSpPr>
+            <a:spLocks noGrp="1"/>
+          </p:cNvSpPr>
+          <p:nvPr>
+            <p:ph idx="1"/>
+          </p:nvPr>
+        </p:nvSpPr>
+        <p:spPr>
+          <a:xfrm>
+            <a:off x="0" y="2084851"/>
+            <a:ext cx="12192000" cy="2404863"/>
+          </a:xfrm>
+        </p:spPr>
+        <p:txBody>
+          <a:bodyPr anchor="ctr">
+            <a:normAutofit/>
+          </a:bodyPr>
+          <a:lstStyle/>
+          <a:p>
+            <a:pPr algn="ctr">
+              <a:buNone/>
+            </a:pPr>
+            <a:r>
+              <a:rPr lang="zh-TW" altLang="en-US" sz="6400" b="1" dirty="0">
                 <a:solidFill>
                   <a:srgbClr val="660033"/>
                 </a:solidFill>
@@ -3379,7 +3797,7 @@
               <a:t>讓我們獻上</a:t>
             </a:r>
             <a:r>
-              <a:rPr lang="en-US" altLang="en-US" sz="5400" b="1" dirty="0" smtClean="0">
+              <a:rPr lang="en-US" altLang="en-US" sz="6400" b="1" dirty="0">
                 <a:solidFill>
                   <a:srgbClr val="660033"/>
                 </a:solidFill>
@@ -3389,7 +3807,7 @@
               <a:t>  </a:t>
             </a:r>
             <a:r>
-              <a:rPr lang="zh-TW" altLang="en-US" sz="5400" b="1" dirty="0" smtClean="0">
+              <a:rPr lang="zh-TW" altLang="en-US" sz="6400" b="1" dirty="0">
                 <a:solidFill>
                   <a:srgbClr val="660033"/>
                 </a:solidFill>
@@ -3404,7 +3822,7 @@
               <a:buNone/>
             </a:pPr>
             <a:r>
-              <a:rPr lang="zh-TW" altLang="en-US" sz="5400" b="1" dirty="0" smtClean="0">
+              <a:rPr lang="zh-TW" altLang="en-US" sz="6400" b="1" dirty="0">
                 <a:solidFill>
                   <a:srgbClr val="660033"/>
                 </a:solidFill>
@@ -3414,7 +3832,7 @@
               <a:t>將讚美尊榮</a:t>
             </a:r>
             <a:r>
-              <a:rPr lang="en-US" altLang="en-US" sz="5400" b="1" dirty="0" smtClean="0">
+              <a:rPr lang="en-US" altLang="en-US" sz="6400" b="1" dirty="0">
                 <a:solidFill>
                   <a:srgbClr val="660033"/>
                 </a:solidFill>
@@ -3424,7 +3842,7 @@
               <a:t>  </a:t>
             </a:r>
             <a:r>
-              <a:rPr lang="zh-TW" altLang="en-US" sz="5400" b="1" dirty="0" smtClean="0">
+              <a:rPr lang="zh-TW" altLang="en-US" sz="6400" b="1" dirty="0">
                 <a:solidFill>
                   <a:srgbClr val="660033"/>
                 </a:solidFill>
@@ -3434,12 +3852,127 @@
               <a:t>全部向主獻上</a:t>
             </a:r>
           </a:p>
+        </p:txBody>
+      </p:sp>
+      <p:sp>
+        <p:nvSpPr>
+          <p:cNvPr id="3" name="TextBox 2"/>
+          <p:cNvSpPr txBox="1"/>
+          <p:nvPr/>
+        </p:nvSpPr>
+        <p:spPr>
+          <a:xfrm>
+            <a:off x="0" y="5157192"/>
+            <a:ext cx="12192000" cy="748988"/>
+          </a:xfrm>
+          <a:prstGeom prst="rect">
+            <a:avLst/>
+          </a:prstGeom>
+          <a:noFill/>
+        </p:spPr>
+        <p:txBody>
+          <a:bodyPr wrap="square" rtlCol="0">
+            <a:spAutoFit/>
+          </a:bodyPr>
+          <a:lstStyle/>
+          <a:p>
+            <a:pPr algn="ctr"/>
+            <a:r>
+              <a:rPr lang="en-US" sz="4267" b="1" dirty="0">
+                <a:solidFill>
+                  <a:srgbClr val="660033"/>
+                </a:solidFill>
+                <a:latin typeface="Microsoft JhengHei" panose="020B0604030504040204" pitchFamily="34" charset="-120"/>
+                <a:ea typeface="Microsoft JhengHei" panose="020B0604030504040204" pitchFamily="34" charset="-120"/>
+              </a:rPr>
+              <a:t>( </a:t>
+            </a:r>
+            <a:r>
+              <a:rPr lang="zh-CN" altLang="en-US" sz="4267" b="1" dirty="0">
+                <a:solidFill>
+                  <a:srgbClr val="660033"/>
+                </a:solidFill>
+                <a:latin typeface="Microsoft JhengHei" panose="020B0604030504040204" pitchFamily="34" charset="-120"/>
+                <a:ea typeface="Microsoft JhengHei" panose="020B0604030504040204" pitchFamily="34" charset="-120"/>
+              </a:rPr>
+              <a:t>副</a:t>
+            </a:r>
+            <a:r>
+              <a:rPr lang="en-US" sz="4267" b="1" dirty="0">
+                <a:solidFill>
+                  <a:srgbClr val="660033"/>
+                </a:solidFill>
+                <a:latin typeface="Microsoft JhengHei" panose="020B0604030504040204" pitchFamily="34" charset="-120"/>
+                <a:ea typeface="Microsoft JhengHei" panose="020B0604030504040204" pitchFamily="34" charset="-120"/>
+              </a:rPr>
+              <a:t> )</a:t>
+            </a:r>
+            <a:endParaRPr lang="vi-VN" sz="4267" b="1" dirty="0">
+              <a:solidFill>
+                <a:srgbClr val="660033"/>
+              </a:solidFill>
+              <a:ea typeface="Microsoft JhengHei" panose="020B0604030504040204" pitchFamily="34" charset="-120"/>
+            </a:endParaRPr>
+          </a:p>
+        </p:txBody>
+      </p:sp>
+    </p:spTree>
+    <p:extLst>
+      <p:ext uri="{BB962C8B-B14F-4D97-AF65-F5344CB8AC3E}">
+        <p14:creationId xmlns:p14="http://schemas.microsoft.com/office/powerpoint/2010/main" val="3215974050"/>
+      </p:ext>
+    </p:extLst>
+  </p:cSld>
+  <p:clrMapOvr>
+    <a:masterClrMapping/>
+  </p:clrMapOvr>
+</p:sld>
+</file>
+
+<file path=ppt/slides/slide7.xml><?xml version="1.0" encoding="utf-8"?>
+<p:sld xmlns:a="http://schemas.openxmlformats.org/drawingml/2006/main" xmlns:r="http://schemas.openxmlformats.org/officeDocument/2006/relationships" xmlns:p="http://schemas.openxmlformats.org/presentationml/2006/main">
+  <p:cSld>
+    <p:spTree>
+      <p:nvGrpSpPr>
+        <p:cNvPr id="1" name=""/>
+        <p:cNvGrpSpPr/>
+        <p:nvPr/>
+      </p:nvGrpSpPr>
+      <p:grpSpPr>
+        <a:xfrm>
+          <a:off x="0" y="0"/>
+          <a:ext cx="0" cy="0"/>
+          <a:chOff x="0" y="0"/>
+          <a:chExt cx="0" cy="0"/>
+        </a:xfrm>
+      </p:grpSpPr>
+      <p:sp>
+        <p:nvSpPr>
+          <p:cNvPr id="5" name="內容版面配置區 4"/>
+          <p:cNvSpPr>
+            <a:spLocks noGrp="1"/>
+          </p:cNvSpPr>
+          <p:nvPr>
+            <p:ph idx="1"/>
+          </p:nvPr>
+        </p:nvSpPr>
+        <p:spPr>
+          <a:xfrm>
+            <a:off x="0" y="2084851"/>
+            <a:ext cx="12192000" cy="2404863"/>
+          </a:xfrm>
+        </p:spPr>
+        <p:txBody>
+          <a:bodyPr anchor="ctr">
+            <a:normAutofit/>
+          </a:bodyPr>
+          <a:lstStyle/>
           <a:p>
             <a:pPr algn="ctr">
               <a:buNone/>
             </a:pPr>
             <a:r>
-              <a:rPr lang="zh-TW" altLang="en-US" sz="5400" b="1" dirty="0" smtClean="0">
+              <a:rPr lang="zh-TW" altLang="en-US" sz="6400" b="1" dirty="0">
                 <a:solidFill>
                   <a:srgbClr val="660033"/>
                 </a:solidFill>
@@ -3454,7 +3987,7 @@
               <a:buNone/>
             </a:pPr>
             <a:r>
-              <a:rPr lang="zh-TW" altLang="en-US" sz="5400" b="1" dirty="0" smtClean="0">
+              <a:rPr lang="zh-TW" altLang="en-US" sz="6400" b="1" dirty="0">
                 <a:solidFill>
                   <a:srgbClr val="660033"/>
                 </a:solidFill>
@@ -3466,7 +3999,74 @@
           </a:p>
         </p:txBody>
       </p:sp>
+      <p:sp>
+        <p:nvSpPr>
+          <p:cNvPr id="3" name="TextBox 2"/>
+          <p:cNvSpPr txBox="1"/>
+          <p:nvPr/>
+        </p:nvSpPr>
+        <p:spPr>
+          <a:xfrm>
+            <a:off x="0" y="5157192"/>
+            <a:ext cx="12192000" cy="748988"/>
+          </a:xfrm>
+          <a:prstGeom prst="rect">
+            <a:avLst/>
+          </a:prstGeom>
+          <a:noFill/>
+        </p:spPr>
+        <p:txBody>
+          <a:bodyPr wrap="square" rtlCol="0">
+            <a:spAutoFit/>
+          </a:bodyPr>
+          <a:lstStyle/>
+          <a:p>
+            <a:pPr algn="ctr"/>
+            <a:r>
+              <a:rPr lang="en-US" sz="4267" b="1" dirty="0">
+                <a:solidFill>
+                  <a:srgbClr val="660033"/>
+                </a:solidFill>
+                <a:latin typeface="Microsoft JhengHei" panose="020B0604030504040204" pitchFamily="34" charset="-120"/>
+                <a:ea typeface="Microsoft JhengHei" panose="020B0604030504040204" pitchFamily="34" charset="-120"/>
+              </a:rPr>
+              <a:t>( </a:t>
+            </a:r>
+            <a:r>
+              <a:rPr lang="zh-CN" altLang="en-US" sz="4267" b="1" dirty="0">
+                <a:solidFill>
+                  <a:srgbClr val="660033"/>
+                </a:solidFill>
+                <a:latin typeface="Microsoft JhengHei" panose="020B0604030504040204" pitchFamily="34" charset="-120"/>
+                <a:ea typeface="Microsoft JhengHei" panose="020B0604030504040204" pitchFamily="34" charset="-120"/>
+              </a:rPr>
+              <a:t>副</a:t>
+            </a:r>
+            <a:r>
+              <a:rPr lang="en-US" sz="4267" b="1" dirty="0">
+                <a:solidFill>
+                  <a:srgbClr val="660033"/>
+                </a:solidFill>
+                <a:latin typeface="Microsoft JhengHei" panose="020B0604030504040204" pitchFamily="34" charset="-120"/>
+                <a:ea typeface="Microsoft JhengHei" panose="020B0604030504040204" pitchFamily="34" charset="-120"/>
+              </a:rPr>
+              <a:t> )</a:t>
+            </a:r>
+            <a:endParaRPr lang="vi-VN" sz="4267" b="1" dirty="0">
+              <a:solidFill>
+                <a:srgbClr val="660033"/>
+              </a:solidFill>
+              <a:ea typeface="Microsoft JhengHei" panose="020B0604030504040204" pitchFamily="34" charset="-120"/>
+            </a:endParaRPr>
+          </a:p>
+        </p:txBody>
+      </p:sp>
     </p:spTree>
+    <p:extLst>
+      <p:ext uri="{BB962C8B-B14F-4D97-AF65-F5344CB8AC3E}">
+        <p14:creationId xmlns:p14="http://schemas.microsoft.com/office/powerpoint/2010/main" val="4205548657"/>
+      </p:ext>
+    </p:extLst>
   </p:cSld>
   <p:clrMapOvr>
     <a:masterClrMapping/>

--- a/主賜福如春雨(崇拜版).pptx
+++ b/主賜福如春雨(崇拜版).pptx
@@ -167,10 +167,9 @@
           <a:lstStyle/>
           <a:p>
             <a:r>
-              <a:rPr lang="zh-TW" altLang="en-US" smtClean="0"/>
+              <a:rPr lang="zh-TW" altLang="en-US"/>
               <a:t>按一下以編輯母片標題樣式</a:t>
             </a:r>
-            <a:endParaRPr lang="zh-TW" altLang="en-US"/>
           </a:p>
         </p:txBody>
       </p:sp>
@@ -286,10 +285,9 @@
           </a:lstStyle>
           <a:p>
             <a:r>
-              <a:rPr lang="zh-TW" altLang="en-US" smtClean="0"/>
+              <a:rPr lang="zh-TW" altLang="en-US"/>
               <a:t>按一下以編輯母片副標題樣式</a:t>
             </a:r>
-            <a:endParaRPr lang="zh-TW" altLang="en-US"/>
           </a:p>
         </p:txBody>
       </p:sp>
@@ -310,7 +308,7 @@
           <a:p>
             <a:fld id="{7897E4C3-5A4E-4B0F-9C06-6523631CD3DA}" type="datetimeFigureOut">
               <a:rPr lang="zh-TW" altLang="en-US" smtClean="0"/>
-              <a:t>2022/10/15</a:t>
+              <a:t>2024/2/7</a:t>
             </a:fld>
             <a:endParaRPr lang="zh-TW" altLang="en-US"/>
           </a:p>
@@ -399,10 +397,9 @@
           <a:lstStyle/>
           <a:p>
             <a:r>
-              <a:rPr lang="zh-TW" altLang="en-US" smtClean="0"/>
+              <a:rPr lang="zh-TW" altLang="en-US"/>
               <a:t>按一下以編輯母片標題樣式</a:t>
             </a:r>
-            <a:endParaRPr lang="zh-TW" altLang="en-US"/>
           </a:p>
         </p:txBody>
       </p:sp>
@@ -423,38 +420,37 @@
           <a:p>
             <a:pPr lvl="0"/>
             <a:r>
-              <a:rPr lang="zh-TW" altLang="en-US" smtClean="0"/>
+              <a:rPr lang="zh-TW" altLang="en-US"/>
               <a:t>按一下以編輯母片文字樣式</a:t>
             </a:r>
           </a:p>
           <a:p>
             <a:pPr lvl="1"/>
             <a:r>
-              <a:rPr lang="zh-TW" altLang="en-US" smtClean="0"/>
+              <a:rPr lang="zh-TW" altLang="en-US"/>
               <a:t>第二層</a:t>
             </a:r>
           </a:p>
           <a:p>
             <a:pPr lvl="2"/>
             <a:r>
-              <a:rPr lang="zh-TW" altLang="en-US" smtClean="0"/>
+              <a:rPr lang="zh-TW" altLang="en-US"/>
               <a:t>第三層</a:t>
             </a:r>
           </a:p>
           <a:p>
             <a:pPr lvl="3"/>
             <a:r>
-              <a:rPr lang="zh-TW" altLang="en-US" smtClean="0"/>
+              <a:rPr lang="zh-TW" altLang="en-US"/>
               <a:t>第四層</a:t>
             </a:r>
           </a:p>
           <a:p>
             <a:pPr lvl="4"/>
             <a:r>
-              <a:rPr lang="zh-TW" altLang="en-US" smtClean="0"/>
+              <a:rPr lang="zh-TW" altLang="en-US"/>
               <a:t>第五層</a:t>
             </a:r>
-            <a:endParaRPr lang="zh-TW" altLang="en-US"/>
           </a:p>
         </p:txBody>
       </p:sp>
@@ -475,7 +471,7 @@
           <a:p>
             <a:fld id="{7897E4C3-5A4E-4B0F-9C06-6523631CD3DA}" type="datetimeFigureOut">
               <a:rPr lang="zh-TW" altLang="en-US" smtClean="0"/>
-              <a:t>2022/10/15</a:t>
+              <a:t>2024/2/7</a:t>
             </a:fld>
             <a:endParaRPr lang="zh-TW" altLang="en-US"/>
           </a:p>
@@ -569,10 +565,9 @@
           <a:lstStyle/>
           <a:p>
             <a:r>
-              <a:rPr lang="zh-TW" altLang="en-US" smtClean="0"/>
+              <a:rPr lang="zh-TW" altLang="en-US"/>
               <a:t>按一下以編輯母片標題樣式</a:t>
             </a:r>
-            <a:endParaRPr lang="zh-TW" altLang="en-US"/>
           </a:p>
         </p:txBody>
       </p:sp>
@@ -598,38 +593,37 @@
           <a:p>
             <a:pPr lvl="0"/>
             <a:r>
-              <a:rPr lang="zh-TW" altLang="en-US" smtClean="0"/>
+              <a:rPr lang="zh-TW" altLang="en-US"/>
               <a:t>按一下以編輯母片文字樣式</a:t>
             </a:r>
           </a:p>
           <a:p>
             <a:pPr lvl="1"/>
             <a:r>
-              <a:rPr lang="zh-TW" altLang="en-US" smtClean="0"/>
+              <a:rPr lang="zh-TW" altLang="en-US"/>
               <a:t>第二層</a:t>
             </a:r>
           </a:p>
           <a:p>
             <a:pPr lvl="2"/>
             <a:r>
-              <a:rPr lang="zh-TW" altLang="en-US" smtClean="0"/>
+              <a:rPr lang="zh-TW" altLang="en-US"/>
               <a:t>第三層</a:t>
             </a:r>
           </a:p>
           <a:p>
             <a:pPr lvl="3"/>
             <a:r>
-              <a:rPr lang="zh-TW" altLang="en-US" smtClean="0"/>
+              <a:rPr lang="zh-TW" altLang="en-US"/>
               <a:t>第四層</a:t>
             </a:r>
           </a:p>
           <a:p>
             <a:pPr lvl="4"/>
             <a:r>
-              <a:rPr lang="zh-TW" altLang="en-US" smtClean="0"/>
+              <a:rPr lang="zh-TW" altLang="en-US"/>
               <a:t>第五層</a:t>
             </a:r>
-            <a:endParaRPr lang="zh-TW" altLang="en-US"/>
           </a:p>
         </p:txBody>
       </p:sp>
@@ -650,7 +644,7 @@
           <a:p>
             <a:fld id="{7897E4C3-5A4E-4B0F-9C06-6523631CD3DA}" type="datetimeFigureOut">
               <a:rPr lang="zh-TW" altLang="en-US" smtClean="0"/>
-              <a:t>2022/10/15</a:t>
+              <a:t>2024/2/7</a:t>
             </a:fld>
             <a:endParaRPr lang="zh-TW" altLang="en-US"/>
           </a:p>
@@ -739,10 +733,9 @@
           <a:lstStyle/>
           <a:p>
             <a:r>
-              <a:rPr lang="zh-TW" altLang="en-US" smtClean="0"/>
+              <a:rPr lang="zh-TW" altLang="en-US"/>
               <a:t>按一下以編輯母片標題樣式</a:t>
             </a:r>
-            <a:endParaRPr lang="zh-TW" altLang="en-US"/>
           </a:p>
         </p:txBody>
       </p:sp>
@@ -763,38 +756,37 @@
           <a:p>
             <a:pPr lvl="0"/>
             <a:r>
-              <a:rPr lang="zh-TW" altLang="en-US" smtClean="0"/>
+              <a:rPr lang="zh-TW" altLang="en-US"/>
               <a:t>按一下以編輯母片文字樣式</a:t>
             </a:r>
           </a:p>
           <a:p>
             <a:pPr lvl="1"/>
             <a:r>
-              <a:rPr lang="zh-TW" altLang="en-US" smtClean="0"/>
+              <a:rPr lang="zh-TW" altLang="en-US"/>
               <a:t>第二層</a:t>
             </a:r>
           </a:p>
           <a:p>
             <a:pPr lvl="2"/>
             <a:r>
-              <a:rPr lang="zh-TW" altLang="en-US" smtClean="0"/>
+              <a:rPr lang="zh-TW" altLang="en-US"/>
               <a:t>第三層</a:t>
             </a:r>
           </a:p>
           <a:p>
             <a:pPr lvl="3"/>
             <a:r>
-              <a:rPr lang="zh-TW" altLang="en-US" smtClean="0"/>
+              <a:rPr lang="zh-TW" altLang="en-US"/>
               <a:t>第四層</a:t>
             </a:r>
           </a:p>
           <a:p>
             <a:pPr lvl="4"/>
             <a:r>
-              <a:rPr lang="zh-TW" altLang="en-US" smtClean="0"/>
+              <a:rPr lang="zh-TW" altLang="en-US"/>
               <a:t>第五層</a:t>
             </a:r>
-            <a:endParaRPr lang="zh-TW" altLang="en-US"/>
           </a:p>
         </p:txBody>
       </p:sp>
@@ -815,7 +807,7 @@
           <a:p>
             <a:fld id="{7897E4C3-5A4E-4B0F-9C06-6523631CD3DA}" type="datetimeFigureOut">
               <a:rPr lang="zh-TW" altLang="en-US" smtClean="0"/>
-              <a:t>2022/10/15</a:t>
+              <a:t>2024/2/7</a:t>
             </a:fld>
             <a:endParaRPr lang="zh-TW" altLang="en-US"/>
           </a:p>
@@ -913,10 +905,9 @@
           </a:lstStyle>
           <a:p>
             <a:r>
-              <a:rPr lang="zh-TW" altLang="en-US" smtClean="0"/>
+              <a:rPr lang="zh-TW" altLang="en-US"/>
               <a:t>按一下以編輯母片標題樣式</a:t>
             </a:r>
-            <a:endParaRPr lang="zh-TW" altLang="en-US"/>
           </a:p>
         </p:txBody>
       </p:sp>
@@ -1033,7 +1024,7 @@
           <a:p>
             <a:pPr lvl="0"/>
             <a:r>
-              <a:rPr lang="zh-TW" altLang="en-US" smtClean="0"/>
+              <a:rPr lang="zh-TW" altLang="en-US"/>
               <a:t>按一下以編輯母片文字樣式</a:t>
             </a:r>
           </a:p>
@@ -1056,7 +1047,7 @@
           <a:p>
             <a:fld id="{7897E4C3-5A4E-4B0F-9C06-6523631CD3DA}" type="datetimeFigureOut">
               <a:rPr lang="zh-TW" altLang="en-US" smtClean="0"/>
-              <a:t>2022/10/15</a:t>
+              <a:t>2024/2/7</a:t>
             </a:fld>
             <a:endParaRPr lang="zh-TW" altLang="en-US"/>
           </a:p>
@@ -1145,10 +1136,9 @@
           <a:lstStyle/>
           <a:p>
             <a:r>
-              <a:rPr lang="zh-TW" altLang="en-US" smtClean="0"/>
+              <a:rPr lang="zh-TW" altLang="en-US"/>
               <a:t>按一下以編輯母片標題樣式</a:t>
             </a:r>
-            <a:endParaRPr lang="zh-TW" altLang="en-US"/>
           </a:p>
         </p:txBody>
       </p:sp>
@@ -1202,38 +1192,37 @@
           <a:p>
             <a:pPr lvl="0"/>
             <a:r>
-              <a:rPr lang="zh-TW" altLang="en-US" smtClean="0"/>
+              <a:rPr lang="zh-TW" altLang="en-US"/>
               <a:t>按一下以編輯母片文字樣式</a:t>
             </a:r>
           </a:p>
           <a:p>
             <a:pPr lvl="1"/>
             <a:r>
-              <a:rPr lang="zh-TW" altLang="en-US" smtClean="0"/>
+              <a:rPr lang="zh-TW" altLang="en-US"/>
               <a:t>第二層</a:t>
             </a:r>
           </a:p>
           <a:p>
             <a:pPr lvl="2"/>
             <a:r>
-              <a:rPr lang="zh-TW" altLang="en-US" smtClean="0"/>
+              <a:rPr lang="zh-TW" altLang="en-US"/>
               <a:t>第三層</a:t>
             </a:r>
           </a:p>
           <a:p>
             <a:pPr lvl="3"/>
             <a:r>
-              <a:rPr lang="zh-TW" altLang="en-US" smtClean="0"/>
+              <a:rPr lang="zh-TW" altLang="en-US"/>
               <a:t>第四層</a:t>
             </a:r>
           </a:p>
           <a:p>
             <a:pPr lvl="4"/>
             <a:r>
-              <a:rPr lang="zh-TW" altLang="en-US" smtClean="0"/>
+              <a:rPr lang="zh-TW" altLang="en-US"/>
               <a:t>第五層</a:t>
             </a:r>
-            <a:endParaRPr lang="zh-TW" altLang="en-US"/>
           </a:p>
         </p:txBody>
       </p:sp>
@@ -1287,38 +1276,37 @@
           <a:p>
             <a:pPr lvl="0"/>
             <a:r>
-              <a:rPr lang="zh-TW" altLang="en-US" smtClean="0"/>
+              <a:rPr lang="zh-TW" altLang="en-US"/>
               <a:t>按一下以編輯母片文字樣式</a:t>
             </a:r>
           </a:p>
           <a:p>
             <a:pPr lvl="1"/>
             <a:r>
-              <a:rPr lang="zh-TW" altLang="en-US" smtClean="0"/>
+              <a:rPr lang="zh-TW" altLang="en-US"/>
               <a:t>第二層</a:t>
             </a:r>
           </a:p>
           <a:p>
             <a:pPr lvl="2"/>
             <a:r>
-              <a:rPr lang="zh-TW" altLang="en-US" smtClean="0"/>
+              <a:rPr lang="zh-TW" altLang="en-US"/>
               <a:t>第三層</a:t>
             </a:r>
           </a:p>
           <a:p>
             <a:pPr lvl="3"/>
             <a:r>
-              <a:rPr lang="zh-TW" altLang="en-US" smtClean="0"/>
+              <a:rPr lang="zh-TW" altLang="en-US"/>
               <a:t>第四層</a:t>
             </a:r>
           </a:p>
           <a:p>
             <a:pPr lvl="4"/>
             <a:r>
-              <a:rPr lang="zh-TW" altLang="en-US" smtClean="0"/>
+              <a:rPr lang="zh-TW" altLang="en-US"/>
               <a:t>第五層</a:t>
             </a:r>
-            <a:endParaRPr lang="zh-TW" altLang="en-US"/>
           </a:p>
         </p:txBody>
       </p:sp>
@@ -1339,7 +1327,7 @@
           <a:p>
             <a:fld id="{7897E4C3-5A4E-4B0F-9C06-6523631CD3DA}" type="datetimeFigureOut">
               <a:rPr lang="zh-TW" altLang="en-US" smtClean="0"/>
-              <a:t>2022/10/15</a:t>
+              <a:t>2024/2/7</a:t>
             </a:fld>
             <a:endParaRPr lang="zh-TW" altLang="en-US"/>
           </a:p>
@@ -1432,10 +1420,9 @@
           </a:lstStyle>
           <a:p>
             <a:r>
-              <a:rPr lang="zh-TW" altLang="en-US" smtClean="0"/>
+              <a:rPr lang="zh-TW" altLang="en-US"/>
               <a:t>按一下以編輯母片標題樣式</a:t>
             </a:r>
-            <a:endParaRPr lang="zh-TW" altLang="en-US"/>
           </a:p>
         </p:txBody>
       </p:sp>
@@ -1498,7 +1485,7 @@
           <a:p>
             <a:pPr lvl="0"/>
             <a:r>
-              <a:rPr lang="zh-TW" altLang="en-US" smtClean="0"/>
+              <a:rPr lang="zh-TW" altLang="en-US"/>
               <a:t>按一下以編輯母片文字樣式</a:t>
             </a:r>
           </a:p>
@@ -1554,38 +1541,37 @@
           <a:p>
             <a:pPr lvl="0"/>
             <a:r>
-              <a:rPr lang="zh-TW" altLang="en-US" smtClean="0"/>
+              <a:rPr lang="zh-TW" altLang="en-US"/>
               <a:t>按一下以編輯母片文字樣式</a:t>
             </a:r>
           </a:p>
           <a:p>
             <a:pPr lvl="1"/>
             <a:r>
-              <a:rPr lang="zh-TW" altLang="en-US" smtClean="0"/>
+              <a:rPr lang="zh-TW" altLang="en-US"/>
               <a:t>第二層</a:t>
             </a:r>
           </a:p>
           <a:p>
             <a:pPr lvl="2"/>
             <a:r>
-              <a:rPr lang="zh-TW" altLang="en-US" smtClean="0"/>
+              <a:rPr lang="zh-TW" altLang="en-US"/>
               <a:t>第三層</a:t>
             </a:r>
           </a:p>
           <a:p>
             <a:pPr lvl="3"/>
             <a:r>
-              <a:rPr lang="zh-TW" altLang="en-US" smtClean="0"/>
+              <a:rPr lang="zh-TW" altLang="en-US"/>
               <a:t>第四層</a:t>
             </a:r>
           </a:p>
           <a:p>
             <a:pPr lvl="4"/>
             <a:r>
-              <a:rPr lang="zh-TW" altLang="en-US" smtClean="0"/>
+              <a:rPr lang="zh-TW" altLang="en-US"/>
               <a:t>第五層</a:t>
             </a:r>
-            <a:endParaRPr lang="zh-TW" altLang="en-US"/>
           </a:p>
         </p:txBody>
       </p:sp>
@@ -1648,7 +1634,7 @@
           <a:p>
             <a:pPr lvl="0"/>
             <a:r>
-              <a:rPr lang="zh-TW" altLang="en-US" smtClean="0"/>
+              <a:rPr lang="zh-TW" altLang="en-US"/>
               <a:t>按一下以編輯母片文字樣式</a:t>
             </a:r>
           </a:p>
@@ -1704,38 +1690,37 @@
           <a:p>
             <a:pPr lvl="0"/>
             <a:r>
-              <a:rPr lang="zh-TW" altLang="en-US" smtClean="0"/>
+              <a:rPr lang="zh-TW" altLang="en-US"/>
               <a:t>按一下以編輯母片文字樣式</a:t>
             </a:r>
           </a:p>
           <a:p>
             <a:pPr lvl="1"/>
             <a:r>
-              <a:rPr lang="zh-TW" altLang="en-US" smtClean="0"/>
+              <a:rPr lang="zh-TW" altLang="en-US"/>
               <a:t>第二層</a:t>
             </a:r>
           </a:p>
           <a:p>
             <a:pPr lvl="2"/>
             <a:r>
-              <a:rPr lang="zh-TW" altLang="en-US" smtClean="0"/>
+              <a:rPr lang="zh-TW" altLang="en-US"/>
               <a:t>第三層</a:t>
             </a:r>
           </a:p>
           <a:p>
             <a:pPr lvl="3"/>
             <a:r>
-              <a:rPr lang="zh-TW" altLang="en-US" smtClean="0"/>
+              <a:rPr lang="zh-TW" altLang="en-US"/>
               <a:t>第四層</a:t>
             </a:r>
           </a:p>
           <a:p>
             <a:pPr lvl="4"/>
             <a:r>
-              <a:rPr lang="zh-TW" altLang="en-US" smtClean="0"/>
+              <a:rPr lang="zh-TW" altLang="en-US"/>
               <a:t>第五層</a:t>
             </a:r>
-            <a:endParaRPr lang="zh-TW" altLang="en-US"/>
           </a:p>
         </p:txBody>
       </p:sp>
@@ -1756,7 +1741,7 @@
           <a:p>
             <a:fld id="{7897E4C3-5A4E-4B0F-9C06-6523631CD3DA}" type="datetimeFigureOut">
               <a:rPr lang="zh-TW" altLang="en-US" smtClean="0"/>
-              <a:t>2022/10/15</a:t>
+              <a:t>2024/2/7</a:t>
             </a:fld>
             <a:endParaRPr lang="zh-TW" altLang="en-US"/>
           </a:p>
@@ -1845,10 +1830,9 @@
           <a:lstStyle/>
           <a:p>
             <a:r>
-              <a:rPr lang="zh-TW" altLang="en-US" smtClean="0"/>
+              <a:rPr lang="zh-TW" altLang="en-US"/>
               <a:t>按一下以編輯母片標題樣式</a:t>
             </a:r>
-            <a:endParaRPr lang="zh-TW" altLang="en-US"/>
           </a:p>
         </p:txBody>
       </p:sp>
@@ -1869,7 +1853,7 @@
           <a:p>
             <a:fld id="{7897E4C3-5A4E-4B0F-9C06-6523631CD3DA}" type="datetimeFigureOut">
               <a:rPr lang="zh-TW" altLang="en-US" smtClean="0"/>
-              <a:t>2022/10/15</a:t>
+              <a:t>2024/2/7</a:t>
             </a:fld>
             <a:endParaRPr lang="zh-TW" altLang="en-US"/>
           </a:p>
@@ -1959,7 +1943,7 @@
           <a:p>
             <a:fld id="{7897E4C3-5A4E-4B0F-9C06-6523631CD3DA}" type="datetimeFigureOut">
               <a:rPr lang="zh-TW" altLang="en-US" smtClean="0"/>
-              <a:t>2022/10/15</a:t>
+              <a:t>2024/2/7</a:t>
             </a:fld>
             <a:endParaRPr lang="zh-TW" altLang="en-US"/>
           </a:p>
@@ -2057,10 +2041,9 @@
           </a:lstStyle>
           <a:p>
             <a:r>
-              <a:rPr lang="zh-TW" altLang="en-US" smtClean="0"/>
+              <a:rPr lang="zh-TW" altLang="en-US"/>
               <a:t>按一下以編輯母片標題樣式</a:t>
             </a:r>
-            <a:endParaRPr lang="zh-TW" altLang="en-US"/>
           </a:p>
         </p:txBody>
       </p:sp>
@@ -2114,38 +2097,37 @@
           <a:p>
             <a:pPr lvl="0"/>
             <a:r>
-              <a:rPr lang="zh-TW" altLang="en-US" smtClean="0"/>
+              <a:rPr lang="zh-TW" altLang="en-US"/>
               <a:t>按一下以編輯母片文字樣式</a:t>
             </a:r>
           </a:p>
           <a:p>
             <a:pPr lvl="1"/>
             <a:r>
-              <a:rPr lang="zh-TW" altLang="en-US" smtClean="0"/>
+              <a:rPr lang="zh-TW" altLang="en-US"/>
               <a:t>第二層</a:t>
             </a:r>
           </a:p>
           <a:p>
             <a:pPr lvl="2"/>
             <a:r>
-              <a:rPr lang="zh-TW" altLang="en-US" smtClean="0"/>
+              <a:rPr lang="zh-TW" altLang="en-US"/>
               <a:t>第三層</a:t>
             </a:r>
           </a:p>
           <a:p>
             <a:pPr lvl="3"/>
             <a:r>
-              <a:rPr lang="zh-TW" altLang="en-US" smtClean="0"/>
+              <a:rPr lang="zh-TW" altLang="en-US"/>
               <a:t>第四層</a:t>
             </a:r>
           </a:p>
           <a:p>
             <a:pPr lvl="4"/>
             <a:r>
-              <a:rPr lang="zh-TW" altLang="en-US" smtClean="0"/>
+              <a:rPr lang="zh-TW" altLang="en-US"/>
               <a:t>第五層</a:t>
             </a:r>
-            <a:endParaRPr lang="zh-TW" altLang="en-US"/>
           </a:p>
         </p:txBody>
       </p:sp>
@@ -2208,7 +2190,7 @@
           <a:p>
             <a:pPr lvl="0"/>
             <a:r>
-              <a:rPr lang="zh-TW" altLang="en-US" smtClean="0"/>
+              <a:rPr lang="zh-TW" altLang="en-US"/>
               <a:t>按一下以編輯母片文字樣式</a:t>
             </a:r>
           </a:p>
@@ -2231,7 +2213,7 @@
           <a:p>
             <a:fld id="{7897E4C3-5A4E-4B0F-9C06-6523631CD3DA}" type="datetimeFigureOut">
               <a:rPr lang="zh-TW" altLang="en-US" smtClean="0"/>
-              <a:t>2022/10/15</a:t>
+              <a:t>2024/2/7</a:t>
             </a:fld>
             <a:endParaRPr lang="zh-TW" altLang="en-US"/>
           </a:p>
@@ -2329,10 +2311,9 @@
           </a:lstStyle>
           <a:p>
             <a:r>
-              <a:rPr lang="zh-TW" altLang="en-US" smtClean="0"/>
+              <a:rPr lang="zh-TW" altLang="en-US"/>
               <a:t>按一下以編輯母片標題樣式</a:t>
             </a:r>
-            <a:endParaRPr lang="zh-TW" altLang="en-US"/>
           </a:p>
         </p:txBody>
       </p:sp>
@@ -2394,10 +2375,9 @@
           </a:lstStyle>
           <a:p>
             <a:r>
-              <a:rPr lang="zh-TW" altLang="en-US" smtClean="0"/>
+              <a:rPr lang="zh-TW" altLang="en-US"/>
               <a:t>按一下圖示以新增圖片</a:t>
             </a:r>
-            <a:endParaRPr lang="zh-TW" altLang="en-US"/>
           </a:p>
         </p:txBody>
       </p:sp>
@@ -2460,7 +2440,7 @@
           <a:p>
             <a:pPr lvl="0"/>
             <a:r>
-              <a:rPr lang="zh-TW" altLang="en-US" smtClean="0"/>
+              <a:rPr lang="zh-TW" altLang="en-US"/>
               <a:t>按一下以編輯母片文字樣式</a:t>
             </a:r>
           </a:p>
@@ -2483,7 +2463,7 @@
           <a:p>
             <a:fld id="{7897E4C3-5A4E-4B0F-9C06-6523631CD3DA}" type="datetimeFigureOut">
               <a:rPr lang="zh-TW" altLang="en-US" smtClean="0"/>
-              <a:t>2022/10/15</a:t>
+              <a:t>2024/2/7</a:t>
             </a:fld>
             <a:endParaRPr lang="zh-TW" altLang="en-US"/>
           </a:p>
@@ -2592,10 +2572,9 @@
           <a:lstStyle/>
           <a:p>
             <a:r>
-              <a:rPr lang="zh-TW" altLang="en-US" smtClean="0"/>
+              <a:rPr lang="zh-TW" altLang="en-US"/>
               <a:t>按一下以編輯母片標題樣式</a:t>
             </a:r>
-            <a:endParaRPr lang="zh-TW" altLang="en-US"/>
           </a:p>
         </p:txBody>
       </p:sp>
@@ -2626,38 +2605,37 @@
           <a:p>
             <a:pPr lvl="0"/>
             <a:r>
-              <a:rPr lang="zh-TW" altLang="en-US" smtClean="0"/>
+              <a:rPr lang="zh-TW" altLang="en-US"/>
               <a:t>按一下以編輯母片文字樣式</a:t>
             </a:r>
           </a:p>
           <a:p>
             <a:pPr lvl="1"/>
             <a:r>
-              <a:rPr lang="zh-TW" altLang="en-US" smtClean="0"/>
+              <a:rPr lang="zh-TW" altLang="en-US"/>
               <a:t>第二層</a:t>
             </a:r>
           </a:p>
           <a:p>
             <a:pPr lvl="2"/>
             <a:r>
-              <a:rPr lang="zh-TW" altLang="en-US" smtClean="0"/>
+              <a:rPr lang="zh-TW" altLang="en-US"/>
               <a:t>第三層</a:t>
             </a:r>
           </a:p>
           <a:p>
             <a:pPr lvl="3"/>
             <a:r>
-              <a:rPr lang="zh-TW" altLang="en-US" smtClean="0"/>
+              <a:rPr lang="zh-TW" altLang="en-US"/>
               <a:t>第四層</a:t>
             </a:r>
           </a:p>
           <a:p>
             <a:pPr lvl="4"/>
             <a:r>
-              <a:rPr lang="zh-TW" altLang="en-US" smtClean="0"/>
+              <a:rPr lang="zh-TW" altLang="en-US"/>
               <a:t>第五層</a:t>
             </a:r>
-            <a:endParaRPr lang="zh-TW" altLang="en-US"/>
           </a:p>
         </p:txBody>
       </p:sp>
@@ -2696,7 +2674,7 @@
           <a:p>
             <a:fld id="{7897E4C3-5A4E-4B0F-9C06-6523631CD3DA}" type="datetimeFigureOut">
               <a:rPr lang="zh-TW" altLang="en-US" smtClean="0"/>
-              <a:t>2022/10/15</a:t>
+              <a:t>2024/2/7</a:t>
             </a:fld>
             <a:endParaRPr lang="zh-TW" altLang="en-US"/>
           </a:p>
@@ -3103,24 +3081,7 @@
                 <a:latin typeface="微軟正黑體" pitchFamily="34" charset="-120"/>
                 <a:ea typeface="微軟正黑體" pitchFamily="34" charset="-120"/>
               </a:rPr>
-              <a:t>主</a:t>
-            </a:r>
-            <a:r>
-              <a:rPr lang="zh-TW" altLang="en-US" sz="7200" b="1" i="1" dirty="0">
-                <a:solidFill>
-                  <a:srgbClr val="660033"/>
-                </a:solidFill>
-                <a:effectLst>
-                  <a:outerShdw blurRad="38100" dist="38100" dir="2700000" algn="tl">
-                    <a:srgbClr val="000000">
-                      <a:alpha val="43137"/>
-                    </a:srgbClr>
-                  </a:outerShdw>
-                </a:effectLst>
-                <a:latin typeface="微軟正黑體" pitchFamily="34" charset="-120"/>
-                <a:ea typeface="微軟正黑體" pitchFamily="34" charset="-120"/>
-              </a:rPr>
-              <a:t>賜福如春雨</a:t>
+              <a:t>主賜福如春雨</a:t>
             </a:r>
           </a:p>
         </p:txBody>
@@ -3215,13 +3176,6 @@
               </a:rPr>
               <a:t>我在其中讚美欣賞</a:t>
             </a:r>
-            <a:endParaRPr lang="zh-TW" altLang="en-US" sz="6400" b="1" dirty="0">
-              <a:solidFill>
-                <a:srgbClr val="660033"/>
-              </a:solidFill>
-              <a:latin typeface="微軟正黑體" pitchFamily="34" charset="-120"/>
-              <a:ea typeface="微軟正黑體" pitchFamily="34" charset="-120"/>
-            </a:endParaRPr>
           </a:p>
         </p:txBody>
       </p:sp>
@@ -3266,7 +3220,7 @@
                 <a:latin typeface="Microsoft JhengHei" panose="020B0604030504040204" pitchFamily="34" charset="-120"/>
                 <a:ea typeface="Microsoft JhengHei" panose="020B0604030504040204" pitchFamily="34" charset="-120"/>
               </a:rPr>
-              <a:t>正</a:t>
+              <a:t>正歌</a:t>
             </a:r>
             <a:r>
               <a:rPr lang="en-US" sz="4267" b="1" dirty="0">
@@ -3377,13 +3331,6 @@
               </a:rPr>
               <a:t>在我心中更新不窮</a:t>
             </a:r>
-            <a:endParaRPr lang="zh-TW" altLang="en-US" sz="6400" b="1" dirty="0">
-              <a:solidFill>
-                <a:srgbClr val="660033"/>
-              </a:solidFill>
-              <a:latin typeface="微軟正黑體" pitchFamily="34" charset="-120"/>
-              <a:ea typeface="微軟正黑體" pitchFamily="34" charset="-120"/>
-            </a:endParaRPr>
           </a:p>
         </p:txBody>
       </p:sp>
@@ -3428,7 +3375,7 @@
                 <a:latin typeface="Microsoft JhengHei" panose="020B0604030504040204" pitchFamily="34" charset="-120"/>
                 <a:ea typeface="Microsoft JhengHei" panose="020B0604030504040204" pitchFamily="34" charset="-120"/>
               </a:rPr>
-              <a:t>正</a:t>
+              <a:t>正歌</a:t>
             </a:r>
             <a:r>
               <a:rPr lang="en-US" sz="4267" b="1" dirty="0">
@@ -3573,7 +3520,7 @@
                 <a:latin typeface="Microsoft JhengHei" panose="020B0604030504040204" pitchFamily="34" charset="-120"/>
                 <a:ea typeface="Microsoft JhengHei" panose="020B0604030504040204" pitchFamily="34" charset="-120"/>
               </a:rPr>
-              <a:t>前副</a:t>
+              <a:t>前副歌</a:t>
             </a:r>
             <a:r>
               <a:rPr lang="en-US" sz="4267" b="1" dirty="0">
@@ -3659,13 +3606,6 @@
               </a:rPr>
               <a:t>主將賜福在我們之中</a:t>
             </a:r>
-            <a:endParaRPr lang="zh-TW" altLang="en-US" sz="6400" b="1" dirty="0">
-              <a:solidFill>
-                <a:srgbClr val="660033"/>
-              </a:solidFill>
-              <a:latin typeface="微軟正黑體" pitchFamily="34" charset="-120"/>
-              <a:ea typeface="微軟正黑體" pitchFamily="34" charset="-120"/>
-            </a:endParaRPr>
           </a:p>
         </p:txBody>
       </p:sp>
@@ -3710,7 +3650,7 @@
                 <a:latin typeface="Microsoft JhengHei" panose="020B0604030504040204" pitchFamily="34" charset="-120"/>
                 <a:ea typeface="Microsoft JhengHei" panose="020B0604030504040204" pitchFamily="34" charset="-120"/>
               </a:rPr>
-              <a:t>前副</a:t>
+              <a:t>前副歌</a:t>
             </a:r>
             <a:r>
               <a:rPr lang="en-US" sz="4267" b="1" dirty="0">
@@ -3895,7 +3835,7 @@
                 <a:latin typeface="Microsoft JhengHei" panose="020B0604030504040204" pitchFamily="34" charset="-120"/>
                 <a:ea typeface="Microsoft JhengHei" panose="020B0604030504040204" pitchFamily="34" charset="-120"/>
               </a:rPr>
-              <a:t>副</a:t>
+              <a:t>副歌</a:t>
             </a:r>
             <a:r>
               <a:rPr lang="en-US" sz="4267" b="1" dirty="0">
@@ -4040,10 +3980,10 @@
                 <a:latin typeface="Microsoft JhengHei" panose="020B0604030504040204" pitchFamily="34" charset="-120"/>
                 <a:ea typeface="Microsoft JhengHei" panose="020B0604030504040204" pitchFamily="34" charset="-120"/>
               </a:rPr>
-              <a:t>副</a:t>
-            </a:r>
-            <a:r>
-              <a:rPr lang="en-US" sz="4267" b="1" dirty="0">
+              <a:t>副歌</a:t>
+            </a:r>
+            <a:r>
+              <a:rPr lang="en-US" sz="4267" b="1">
                 <a:solidFill>
                   <a:srgbClr val="660033"/>
                 </a:solidFill>
